--- a/docs/模板工具/模板/PPT模板v1.pptx
+++ b/docs/模板工具/模板/PPT模板v1.pptx
@@ -6,15 +6,16 @@
     <p:sldMasterId id="2147483660" r:id="rId3"/>
   </p:sldMasterIdLst>
   <p:notesMasterIdLst>
-    <p:notesMasterId r:id="rId10"/>
+    <p:notesMasterId r:id="rId11"/>
   </p:notesMasterIdLst>
   <p:sldIdLst>
     <p:sldId id="264" r:id="rId4"/>
-    <p:sldId id="266" r:id="rId5"/>
-    <p:sldId id="267" r:id="rId6"/>
-    <p:sldId id="268" r:id="rId7"/>
-    <p:sldId id="260" r:id="rId8"/>
-    <p:sldId id="259" r:id="rId9"/>
+    <p:sldId id="271" r:id="rId5"/>
+    <p:sldId id="266" r:id="rId6"/>
+    <p:sldId id="267" r:id="rId7"/>
+    <p:sldId id="268" r:id="rId8"/>
+    <p:sldId id="260" r:id="rId9"/>
+    <p:sldId id="259" r:id="rId10"/>
   </p:sldIdLst>
   <p:sldSz cx="24386540" cy="13716000"/>
   <p:notesSz cx="13716000" cy="24386540"/>
@@ -110,6 +111,11 @@
       </a:defRPr>
     </a:lvl9pPr>
   </p:defaultTextStyle>
+  <p:extLst>
+    <p:ext uri="{505F2C04-C923-438B-8C0F-E0CD2BADF298}">
+      <wppc:fontMiss xmlns:wppc="http://www.wps.cn/officeDocument/PresentationCustomData" type="true"/>
+    </p:ext>
+  </p:extLst>
 </p:presentation>
 </file>
 
@@ -4497,9 +4503,6 @@
         </p:txBody>
       </p:sp>
     </p:spTree>
-    <p:custDataLst>
-      <p:tags r:id="rId17"/>
-    </p:custDataLst>
   </p:cSld>
   <p:clrMap bg1="lt1" tx1="dk1" bg2="lt2" tx2="dk2" accent1="accent1" accent2="accent2" accent3="accent3" accent4="accent4" accent5="accent5" accent6="accent6" hlink="hlink" folHlink="folHlink"/>
   <p:sldLayoutIdLst>
@@ -5360,6 +5363,95 @@
       <p:grpSpPr/>
       <p:sp>
         <p:nvSpPr>
+          <p:cNvPr id="2" name="标题 1"/>
+          <p:cNvSpPr>
+            <a:spLocks noGrp="1"/>
+          </p:cNvSpPr>
+          <p:nvPr>
+            <p:ph type="title"/>
+          </p:nvPr>
+        </p:nvSpPr>
+        <p:spPr/>
+        <p:txBody>
+          <a:bodyPr>
+            <a:normAutofit fontScale="90000"/>
+          </a:bodyPr>
+          <a:p>
+            <a:r>
+              <a:rPr lang="zh-CN" altLang="en-US"/>
+              <a:t>开源分享会</a:t>
+            </a:r>
+            <a:endParaRPr lang="zh-CN" altLang="en-US"/>
+          </a:p>
+        </p:txBody>
+      </p:sp>
+      <p:sp>
+        <p:nvSpPr>
+          <p:cNvPr id="3" name="副标题 2"/>
+          <p:cNvSpPr>
+            <a:spLocks noGrp="1"/>
+          </p:cNvSpPr>
+          <p:nvPr>
+            <p:ph type="subTitle" idx="1"/>
+          </p:nvPr>
+        </p:nvSpPr>
+        <p:spPr/>
+        <p:txBody>
+          <a:bodyPr/>
+          <a:p>
+            <a:r>
+              <a:rPr lang="zh-CN" altLang="en-US"/>
+              <a:t>第一期</a:t>
+            </a:r>
+            <a:endParaRPr lang="zh-CN" altLang="en-US"/>
+          </a:p>
+        </p:txBody>
+      </p:sp>
+      <p:pic>
+        <p:nvPicPr>
+          <p:cNvPr id="4" name="图片 3" descr="切片4"/>
+          <p:cNvPicPr>
+            <a:picLocks noChangeAspect="1"/>
+          </p:cNvPicPr>
+          <p:nvPr/>
+        </p:nvPicPr>
+        <p:blipFill>
+          <a:blip r:embed="rId1"/>
+          <a:stretch>
+            <a:fillRect/>
+          </a:stretch>
+        </p:blipFill>
+        <p:spPr>
+          <a:xfrm>
+            <a:off x="4554855" y="-8336915"/>
+            <a:ext cx="27247850" cy="27247850"/>
+          </a:xfrm>
+          <a:prstGeom prst="rect">
+            <a:avLst/>
+          </a:prstGeom>
+          <a:effectLst/>
+        </p:spPr>
+      </p:pic>
+    </p:spTree>
+  </p:cSld>
+  <p:clrMapOvr>
+    <a:masterClrMapping/>
+  </p:clrMapOvr>
+</p:sld>
+</file>
+
+<file path=ppt/slides/slide3.xml><?xml version="1.0" encoding="utf-8"?>
+<p:sld xmlns:a="http://schemas.openxmlformats.org/drawingml/2006/main" xmlns:r="http://schemas.openxmlformats.org/officeDocument/2006/relationships" xmlns:p="http://schemas.openxmlformats.org/presentationml/2006/main">
+  <p:cSld>
+    <p:spTree>
+      <p:nvGrpSpPr>
+        <p:cNvPr id="1" name=""/>
+        <p:cNvGrpSpPr/>
+        <p:nvPr/>
+      </p:nvGrpSpPr>
+      <p:grpSpPr/>
+      <p:sp>
+        <p:nvSpPr>
           <p:cNvPr id="2" name="内容占位符 1"/>
           <p:cNvSpPr>
             <a:spLocks noGrp="1"/>
@@ -5554,7 +5646,7 @@
 </p:sld>
 </file>
 
-<file path=ppt/slides/slide3.xml><?xml version="1.0" encoding="utf-8"?>
+<file path=ppt/slides/slide4.xml><?xml version="1.0" encoding="utf-8"?>
 <p:sld xmlns:a="http://schemas.openxmlformats.org/drawingml/2006/main" xmlns:r="http://schemas.openxmlformats.org/officeDocument/2006/relationships" xmlns:p="http://schemas.openxmlformats.org/presentationml/2006/main">
   <p:cSld>
     <p:spTree>
@@ -5744,7 +5836,7 @@
 </p:sld>
 </file>
 
-<file path=ppt/slides/slide4.xml><?xml version="1.0" encoding="utf-8"?>
+<file path=ppt/slides/slide5.xml><?xml version="1.0" encoding="utf-8"?>
 <p:sld xmlns:a="http://schemas.openxmlformats.org/drawingml/2006/main" xmlns:r="http://schemas.openxmlformats.org/officeDocument/2006/relationships" xmlns:p="http://schemas.openxmlformats.org/presentationml/2006/main">
   <p:cSld>
     <p:spTree>
@@ -5831,7 +5923,7 @@
 </p:sld>
 </file>
 
-<file path=ppt/slides/slide5.xml><?xml version="1.0" encoding="utf-8"?>
+<file path=ppt/slides/slide6.xml><?xml version="1.0" encoding="utf-8"?>
 <p:sld xmlns:a="http://schemas.openxmlformats.org/drawingml/2006/main" xmlns:r="http://schemas.openxmlformats.org/officeDocument/2006/relationships" xmlns:p="http://schemas.openxmlformats.org/presentationml/2006/main">
   <p:cSld>
     <p:spTree>
@@ -5997,7 +6089,7 @@
 </p:sld>
 </file>
 
-<file path=ppt/slides/slide6.xml><?xml version="1.0" encoding="utf-8"?>
+<file path=ppt/slides/slide7.xml><?xml version="1.0" encoding="utf-8"?>
 <p:sld xmlns:a="http://schemas.openxmlformats.org/drawingml/2006/main" xmlns:r="http://schemas.openxmlformats.org/officeDocument/2006/relationships" xmlns:p="http://schemas.openxmlformats.org/presentationml/2006/main">
   <p:cSld>
     <p:bg>
@@ -7053,20 +7145,6 @@
 
 <file path=ppt/tags/tag62.xml><?xml version="1.0" encoding="utf-8"?>
 <p:tagLst xmlns:p="http://schemas.openxmlformats.org/presentationml/2006/main">
-  <p:tag name="KSO_WM_TEMPLATE_THUMBS_INDEX" val="1、4、7、12、13、14、15、16、17、18、20、24、25、28、33、36、40、43、44"/>
-  <p:tag name="KSO_WM_TEMPLATE_SUBCATEGORY" val="19"/>
-  <p:tag name="KSO_WM_TAG_VERSION" val="1.0"/>
-  <p:tag name="KSO_WM_BEAUTIFY_FLAG" val="#wm#"/>
-  <p:tag name="KSO_WM_TEMPLATE_CATEGORY" val="custom"/>
-  <p:tag name="KSO_WM_TEMPLATE_INDEX" val="20205081"/>
-  <p:tag name="KSO_WM_TEMPLATE_MASTER_TYPE" val="0"/>
-  <p:tag name="KSO_WM_TEMPLATE_COLOR_TYPE" val="1"/>
-  <p:tag name="KSO_WM_UNIT_SHOW_EDIT_AREA_INDICATION" val="1"/>
-</p:tagLst>
-</file>
-
-<file path=ppt/tags/tag63.xml><?xml version="1.0" encoding="utf-8"?>
-<p:tagLst xmlns:p="http://schemas.openxmlformats.org/presentationml/2006/main">
   <p:tag name="KSO_WM_UNIT_HIGHLIGHT" val="0"/>
   <p:tag name="KSO_WM_UNIT_COMPATIBLE" val="0"/>
   <p:tag name="KSO_WM_UNIT_DIAGRAM_ISNUMVISUAL" val="0"/>
@@ -7078,13 +7156,26 @@
 </p:tagLst>
 </file>
 
+<file path=ppt/tags/tag63.xml><?xml version="1.0" encoding="utf-8"?>
+<p:tagLst xmlns:p="http://schemas.openxmlformats.org/presentationml/2006/main">
+  <p:tag name="KSO_WM_UNIT_HIGHLIGHT" val="0"/>
+  <p:tag name="KSO_WM_UNIT_COMPATIBLE" val="0"/>
+  <p:tag name="KSO_WM_UNIT_DIAGRAM_ISNUMVISUAL" val="0"/>
+  <p:tag name="KSO_WM_UNIT_DIAGRAM_ISREFERUNIT" val="0"/>
+  <p:tag name="KSO_WM_UNIT_ID" val="_1**"/>
+  <p:tag name="KSO_WM_UNIT_LAYERLEVEL" val="1"/>
+  <p:tag name="KSO_WM_TAG_VERSION" val="1.0"/>
+  <p:tag name="KSO_WM_BEAUTIFY_FLAG" val="#wm#"/>
+</p:tagLst>
+</file>
+
 <file path=ppt/tags/tag64.xml><?xml version="1.0" encoding="utf-8"?>
 <p:tagLst xmlns:p="http://schemas.openxmlformats.org/presentationml/2006/main">
   <p:tag name="KSO_WM_UNIT_HIGHLIGHT" val="0"/>
   <p:tag name="KSO_WM_UNIT_COMPATIBLE" val="0"/>
   <p:tag name="KSO_WM_UNIT_DIAGRAM_ISNUMVISUAL" val="0"/>
   <p:tag name="KSO_WM_UNIT_DIAGRAM_ISREFERUNIT" val="0"/>
-  <p:tag name="KSO_WM_UNIT_ID" val="_1**"/>
+  <p:tag name="KSO_WM_UNIT_ID" val="_2**"/>
   <p:tag name="KSO_WM_UNIT_LAYERLEVEL" val="1"/>
   <p:tag name="KSO_WM_TAG_VERSION" val="1.0"/>
   <p:tag name="KSO_WM_BEAUTIFY_FLAG" val="#wm#"/>
@@ -7110,7 +7201,7 @@
   <p:tag name="KSO_WM_UNIT_COMPATIBLE" val="0"/>
   <p:tag name="KSO_WM_UNIT_DIAGRAM_ISNUMVISUAL" val="0"/>
   <p:tag name="KSO_WM_UNIT_DIAGRAM_ISREFERUNIT" val="0"/>
-  <p:tag name="KSO_WM_UNIT_ID" val="_2**"/>
+  <p:tag name="KSO_WM_UNIT_ID" val="_11**"/>
   <p:tag name="KSO_WM_UNIT_LAYERLEVEL" val="1"/>
   <p:tag name="KSO_WM_TAG_VERSION" val="1.0"/>
   <p:tag name="KSO_WM_BEAUTIFY_FLAG" val="#wm#"/>
@@ -7123,7 +7214,7 @@
   <p:tag name="KSO_WM_UNIT_COMPATIBLE" val="0"/>
   <p:tag name="KSO_WM_UNIT_DIAGRAM_ISNUMVISUAL" val="0"/>
   <p:tag name="KSO_WM_UNIT_DIAGRAM_ISREFERUNIT" val="0"/>
-  <p:tag name="KSO_WM_UNIT_ID" val="_11**"/>
+  <p:tag name="KSO_WM_UNIT_ID" val="_4**"/>
   <p:tag name="KSO_WM_UNIT_LAYERLEVEL" val="1"/>
   <p:tag name="KSO_WM_TAG_VERSION" val="1.0"/>
   <p:tag name="KSO_WM_BEAUTIFY_FLAG" val="#wm#"/>
@@ -7175,10 +7266,12 @@
   <p:tag name="KSO_WM_UNIT_COMPATIBLE" val="0"/>
   <p:tag name="KSO_WM_UNIT_DIAGRAM_ISNUMVISUAL" val="0"/>
   <p:tag name="KSO_WM_UNIT_DIAGRAM_ISREFERUNIT" val="0"/>
-  <p:tag name="KSO_WM_UNIT_ID" val="_4**"/>
+  <p:tag name="KSO_WM_UNIT_ID" val="_0**"/>
   <p:tag name="KSO_WM_UNIT_LAYERLEVEL" val="1"/>
   <p:tag name="KSO_WM_TAG_VERSION" val="1.0"/>
   <p:tag name="KSO_WM_BEAUTIFY_FLAG" val="#wm#"/>
+  <p:tag name="KSO_WM_TEMPLATE_CATEGORY" val="custom"/>
+  <p:tag name="KSO_WM_TEMPLATE_INDEX" val="20205081"/>
 </p:tagLst>
 </file>
 
@@ -7198,21 +7291,6 @@
 </file>
 
 <file path=ppt/tags/tag72.xml><?xml version="1.0" encoding="utf-8"?>
-<p:tagLst xmlns:p="http://schemas.openxmlformats.org/presentationml/2006/main">
-  <p:tag name="KSO_WM_UNIT_HIGHLIGHT" val="0"/>
-  <p:tag name="KSO_WM_UNIT_COMPATIBLE" val="0"/>
-  <p:tag name="KSO_WM_UNIT_DIAGRAM_ISNUMVISUAL" val="0"/>
-  <p:tag name="KSO_WM_UNIT_DIAGRAM_ISREFERUNIT" val="0"/>
-  <p:tag name="KSO_WM_UNIT_ID" val="_0**"/>
-  <p:tag name="KSO_WM_UNIT_LAYERLEVEL" val="1"/>
-  <p:tag name="KSO_WM_TAG_VERSION" val="1.0"/>
-  <p:tag name="KSO_WM_BEAUTIFY_FLAG" val="#wm#"/>
-  <p:tag name="KSO_WM_TEMPLATE_CATEGORY" val="custom"/>
-  <p:tag name="KSO_WM_TEMPLATE_INDEX" val="20205081"/>
-</p:tagLst>
-</file>
-
-<file path=ppt/tags/tag73.xml><?xml version="1.0" encoding="utf-8"?>
 <p:tagLst xmlns:p="http://schemas.openxmlformats.org/presentationml/2006/main">
   <p:tag name="KSO_WM_BEAUTIFY_FLAG" val="#wm#"/>
   <p:tag name="KSO_WM_TEMPLATE_CATEGORY" val="custom"/>
